--- a/15_Ch09_SpringBootApp.pptx
+++ b/15_Ch09_SpringBootApp.pptx
@@ -3473,23 +3473,7 @@
                   <a:srgbClr val="FFFF00"/>
                 </a:solidFill>
               </a:rPr>
-              <a:t>9</a:t>
-            </a:r>
-            <a:r>
-              <a:rPr lang="en-US" altLang="zh-TW" sz="4800" b="1" dirty="0" smtClean="0">
-                <a:solidFill>
-                  <a:srgbClr val="FFFF00"/>
-                </a:solidFill>
-              </a:rPr>
-              <a:t> </a:t>
-            </a:r>
-            <a:r>
-              <a:rPr lang="en-US" altLang="zh-TW" sz="4800" b="1" dirty="0" smtClean="0">
-                <a:solidFill>
-                  <a:srgbClr val="FFFF00"/>
-                </a:solidFill>
-              </a:rPr>
-              <a:t>Spring Boot Application</a:t>
+              <a:t>9 Spring Boot Application</a:t>
             </a:r>
             <a:endParaRPr lang="zh-TW" altLang="en-US" sz="4800" b="1" dirty="0">
               <a:solidFill>
@@ -3755,23 +3739,7 @@
                   <a:srgbClr val="FFFF00"/>
                 </a:solidFill>
               </a:rPr>
-              <a:t>9</a:t>
-            </a:r>
-            <a:r>
-              <a:rPr lang="en-US" altLang="zh-TW" b="1" dirty="0" smtClean="0">
-                <a:solidFill>
-                  <a:srgbClr val="FFFF00"/>
-                </a:solidFill>
-              </a:rPr>
-              <a:t> </a:t>
-            </a:r>
-            <a:r>
-              <a:rPr lang="en-US" altLang="zh-TW" b="1" dirty="0" smtClean="0">
-                <a:solidFill>
-                  <a:srgbClr val="FFFF00"/>
-                </a:solidFill>
-              </a:rPr>
-              <a:t>Spring Boot Application</a:t>
+              <a:t>9 Spring Boot Application</a:t>
             </a:r>
             <a:endParaRPr lang="zh-TW" altLang="en-US" b="1" dirty="0">
               <a:solidFill>
@@ -4138,23 +4106,7 @@
                   <a:srgbClr val="FFFF00"/>
                 </a:solidFill>
               </a:rPr>
-              <a:t>9</a:t>
-            </a:r>
-            <a:r>
-              <a:rPr lang="en-US" altLang="zh-TW" b="1" dirty="0" smtClean="0">
-                <a:solidFill>
-                  <a:srgbClr val="FFFF00"/>
-                </a:solidFill>
-              </a:rPr>
-              <a:t> </a:t>
-            </a:r>
-            <a:r>
-              <a:rPr lang="en-US" altLang="zh-TW" b="1" dirty="0" smtClean="0">
-                <a:solidFill>
-                  <a:srgbClr val="FFFF00"/>
-                </a:solidFill>
-              </a:rPr>
-              <a:t>Spring Boot Application</a:t>
+              <a:t>9 Spring Boot Application</a:t>
             </a:r>
             <a:endParaRPr lang="zh-TW" altLang="en-US" b="1" dirty="0">
               <a:solidFill>
@@ -4208,12 +4160,6 @@
               </a:rPr>
               <a:t>This is our spring boot application. </a:t>
             </a:r>
-            <a:endParaRPr lang="en-US" altLang="zh-TW" sz="1600" b="1" dirty="0" smtClean="0">
-              <a:solidFill>
-                <a:schemeClr val="tx1"/>
-              </a:solidFill>
-              <a:latin typeface="+mj-lt"/>
-            </a:endParaRPr>
           </a:p>
           <a:p>
             <a:pPr marL="342900" indent="-342900" algn="l">
@@ -4646,23 +4592,7 @@
                   <a:srgbClr val="FFFF00"/>
                 </a:solidFill>
               </a:rPr>
-              <a:t>9</a:t>
-            </a:r>
-            <a:r>
-              <a:rPr lang="en-US" altLang="zh-TW" b="1" dirty="0" smtClean="0">
-                <a:solidFill>
-                  <a:srgbClr val="FFFF00"/>
-                </a:solidFill>
-              </a:rPr>
-              <a:t> </a:t>
-            </a:r>
-            <a:r>
-              <a:rPr lang="en-US" altLang="zh-TW" b="1" dirty="0" smtClean="0">
-                <a:solidFill>
-                  <a:srgbClr val="FFFF00"/>
-                </a:solidFill>
-              </a:rPr>
-              <a:t>Spring Boot Application</a:t>
+              <a:t>9 Spring Boot Application</a:t>
             </a:r>
             <a:endParaRPr lang="zh-TW" altLang="en-US" b="1" dirty="0">
               <a:solidFill>
@@ -4713,15 +4643,7 @@
                   <a:schemeClr val="tx1"/>
                 </a:solidFill>
               </a:rPr>
-              <a:t>A </a:t>
-            </a:r>
-            <a:r>
-              <a:rPr lang="en-US" altLang="zh-TW" sz="1600" b="1" dirty="0" smtClean="0">
-                <a:solidFill>
-                  <a:schemeClr val="tx1"/>
-                </a:solidFill>
-              </a:rPr>
-              <a:t>lot of staff display on console.</a:t>
+              <a:t>A lot of staff display on console.</a:t>
             </a:r>
           </a:p>
           <a:p>
@@ -4741,11 +4663,6 @@
               </a:rPr>
               <a:t>We have ASCII “Spring”, “Spring Boot”, version number displayed. </a:t>
             </a:r>
-            <a:endParaRPr lang="en-US" altLang="zh-TW" sz="1600" b="1" dirty="0" smtClean="0">
-              <a:solidFill>
-                <a:schemeClr val="tx1"/>
-              </a:solidFill>
-            </a:endParaRPr>
           </a:p>
         </p:txBody>
       </p:sp>
@@ -5022,23 +4939,7 @@
                   <a:srgbClr val="FFFF00"/>
                 </a:solidFill>
               </a:rPr>
-              <a:t>9</a:t>
-            </a:r>
-            <a:r>
-              <a:rPr lang="en-US" altLang="zh-TW" b="1" dirty="0" smtClean="0">
-                <a:solidFill>
-                  <a:srgbClr val="FFFF00"/>
-                </a:solidFill>
-              </a:rPr>
-              <a:t> </a:t>
-            </a:r>
-            <a:r>
-              <a:rPr lang="en-US" altLang="zh-TW" b="1" dirty="0" smtClean="0">
-                <a:solidFill>
-                  <a:srgbClr val="FFFF00"/>
-                </a:solidFill>
-              </a:rPr>
-              <a:t>Spring Boot Application</a:t>
+              <a:t>9 Spring Boot Application</a:t>
             </a:r>
             <a:endParaRPr lang="zh-TW" altLang="en-US" b="1" dirty="0">
               <a:solidFill>
@@ -5335,7 +5236,7 @@
         </p:blipFill>
         <p:spPr bwMode="auto">
           <a:xfrm>
-            <a:off x="827584" y="2132856"/>
+            <a:off x="827584" y="2060848"/>
             <a:ext cx="6992151" cy="3930427"/>
           </a:xfrm>
           <a:prstGeom prst="rect">
@@ -5405,23 +5306,7 @@
                   <a:srgbClr val="FFFF00"/>
                 </a:solidFill>
               </a:rPr>
-              <a:t>9</a:t>
-            </a:r>
-            <a:r>
-              <a:rPr lang="en-US" altLang="zh-TW" b="1" dirty="0" smtClean="0">
-                <a:solidFill>
-                  <a:srgbClr val="FFFF00"/>
-                </a:solidFill>
-              </a:rPr>
-              <a:t> </a:t>
-            </a:r>
-            <a:r>
-              <a:rPr lang="en-US" altLang="zh-TW" b="1" dirty="0" smtClean="0">
-                <a:solidFill>
-                  <a:srgbClr val="FFFF00"/>
-                </a:solidFill>
-              </a:rPr>
-              <a:t>Spring Boot Application</a:t>
+              <a:t>9 Spring Boot Application</a:t>
             </a:r>
             <a:endParaRPr lang="zh-TW" altLang="en-US" b="1" dirty="0">
               <a:solidFill>
@@ -5473,16 +5358,7 @@
                 </a:solidFill>
                 <a:latin typeface="+mj-lt"/>
               </a:rPr>
-              <a:t>O</a:t>
-            </a:r>
-            <a:r>
-              <a:rPr lang="en-US" altLang="zh-TW" sz="1600" b="1" dirty="0" smtClean="0">
-                <a:solidFill>
-                  <a:schemeClr val="tx1"/>
-                </a:solidFill>
-                <a:latin typeface="+mj-lt"/>
-              </a:rPr>
-              <a:t>pen Chrome and enter “localhost:8080”</a:t>
+              <a:t>Open Chrome and enter “localhost:8080”</a:t>
             </a:r>
           </a:p>
           <a:p>
@@ -5931,23 +5807,7 @@
                   <a:srgbClr val="FFFF00"/>
                 </a:solidFill>
               </a:rPr>
-              <a:t>9</a:t>
-            </a:r>
-            <a:r>
-              <a:rPr lang="en-US" altLang="zh-TW" b="1" dirty="0" smtClean="0">
-                <a:solidFill>
-                  <a:srgbClr val="FFFF00"/>
-                </a:solidFill>
-              </a:rPr>
-              <a:t> </a:t>
-            </a:r>
-            <a:r>
-              <a:rPr lang="en-US" altLang="zh-TW" b="1" dirty="0" smtClean="0">
-                <a:solidFill>
-                  <a:srgbClr val="FFFF00"/>
-                </a:solidFill>
-              </a:rPr>
-              <a:t>Spring Boot Application</a:t>
+              <a:t>9 Spring Boot Application</a:t>
             </a:r>
             <a:endParaRPr lang="zh-TW" altLang="en-US" b="1" dirty="0">
               <a:solidFill>
@@ -6283,23 +6143,7 @@
                   <a:srgbClr val="FFFF00"/>
                 </a:solidFill>
               </a:rPr>
-              <a:t>9</a:t>
-            </a:r>
-            <a:r>
-              <a:rPr lang="en-US" altLang="zh-TW" b="1" dirty="0" smtClean="0">
-                <a:solidFill>
-                  <a:srgbClr val="FFFF00"/>
-                </a:solidFill>
-              </a:rPr>
-              <a:t> </a:t>
-            </a:r>
-            <a:r>
-              <a:rPr lang="en-US" altLang="zh-TW" b="1" dirty="0" smtClean="0">
-                <a:solidFill>
-                  <a:srgbClr val="FFFF00"/>
-                </a:solidFill>
-              </a:rPr>
-              <a:t>Spring Boot Application</a:t>
+              <a:t>9 Spring Boot Application</a:t>
             </a:r>
             <a:endParaRPr lang="zh-TW" altLang="en-US" b="1" dirty="0">
               <a:solidFill>
@@ -6791,23 +6635,7 @@
                   <a:srgbClr val="FFFF00"/>
                 </a:solidFill>
               </a:rPr>
-              <a:t>9</a:t>
-            </a:r>
-            <a:r>
-              <a:rPr lang="en-US" altLang="zh-TW" b="1" dirty="0" smtClean="0">
-                <a:solidFill>
-                  <a:srgbClr val="FFFF00"/>
-                </a:solidFill>
-              </a:rPr>
-              <a:t> </a:t>
-            </a:r>
-            <a:r>
-              <a:rPr lang="en-US" altLang="zh-TW" b="1" dirty="0" smtClean="0">
-                <a:solidFill>
-                  <a:srgbClr val="FFFF00"/>
-                </a:solidFill>
-              </a:rPr>
-              <a:t>Spring Boot Application</a:t>
+              <a:t>9 Spring Boot Application</a:t>
             </a:r>
             <a:endParaRPr lang="zh-TW" altLang="en-US" b="1" dirty="0">
               <a:solidFill>
@@ -7419,23 +7247,7 @@
                   <a:srgbClr val="FFFF00"/>
                 </a:solidFill>
               </a:rPr>
-              <a:t>9</a:t>
-            </a:r>
-            <a:r>
-              <a:rPr lang="en-US" altLang="zh-TW" b="1" dirty="0" smtClean="0">
-                <a:solidFill>
-                  <a:srgbClr val="FFFF00"/>
-                </a:solidFill>
-              </a:rPr>
-              <a:t> </a:t>
-            </a:r>
-            <a:r>
-              <a:rPr lang="en-US" altLang="zh-TW" b="1" dirty="0" smtClean="0">
-                <a:solidFill>
-                  <a:srgbClr val="FFFF00"/>
-                </a:solidFill>
-              </a:rPr>
-              <a:t>Spring Boot Application</a:t>
+              <a:t>9 Spring Boot Application</a:t>
             </a:r>
             <a:endParaRPr lang="zh-TW" altLang="en-US" b="1" dirty="0">
               <a:solidFill>
@@ -7781,23 +7593,7 @@
                   <a:srgbClr val="FFFF00"/>
                 </a:solidFill>
               </a:rPr>
-              <a:t>9</a:t>
-            </a:r>
-            <a:r>
-              <a:rPr lang="en-US" altLang="zh-TW" b="1" dirty="0" smtClean="0">
-                <a:solidFill>
-                  <a:srgbClr val="FFFF00"/>
-                </a:solidFill>
-              </a:rPr>
-              <a:t> </a:t>
-            </a:r>
-            <a:r>
-              <a:rPr lang="en-US" altLang="zh-TW" b="1" dirty="0" smtClean="0">
-                <a:solidFill>
-                  <a:srgbClr val="FFFF00"/>
-                </a:solidFill>
-              </a:rPr>
-              <a:t>Spring Boot Application</a:t>
+              <a:t>9 Spring Boot Application</a:t>
             </a:r>
             <a:endParaRPr lang="zh-TW" altLang="en-US" b="1" dirty="0">
               <a:solidFill>
@@ -8256,23 +8052,7 @@
                   <a:srgbClr val="FFFF00"/>
                 </a:solidFill>
               </a:rPr>
-              <a:t>9</a:t>
-            </a:r>
-            <a:r>
-              <a:rPr lang="en-US" altLang="zh-TW" b="1" dirty="0" smtClean="0">
-                <a:solidFill>
-                  <a:srgbClr val="FFFF00"/>
-                </a:solidFill>
-              </a:rPr>
-              <a:t> </a:t>
-            </a:r>
-            <a:r>
-              <a:rPr lang="en-US" altLang="zh-TW" b="1" dirty="0" smtClean="0">
-                <a:solidFill>
-                  <a:srgbClr val="FFFF00"/>
-                </a:solidFill>
-              </a:rPr>
-              <a:t>Spring Boot Application</a:t>
+              <a:t>9 Spring Boot Application</a:t>
             </a:r>
             <a:endParaRPr lang="zh-TW" altLang="en-US" b="1" dirty="0">
               <a:solidFill>
@@ -8621,23 +8401,7 @@
                   <a:srgbClr val="FFFF00"/>
                 </a:solidFill>
               </a:rPr>
-              <a:t>9</a:t>
-            </a:r>
-            <a:r>
-              <a:rPr lang="en-US" altLang="zh-TW" b="1" dirty="0" smtClean="0">
-                <a:solidFill>
-                  <a:srgbClr val="FFFF00"/>
-                </a:solidFill>
-              </a:rPr>
-              <a:t> </a:t>
-            </a:r>
-            <a:r>
-              <a:rPr lang="en-US" altLang="zh-TW" b="1" dirty="0" smtClean="0">
-                <a:solidFill>
-                  <a:srgbClr val="FFFF00"/>
-                </a:solidFill>
-              </a:rPr>
-              <a:t>Spring Boot Application</a:t>
+              <a:t>9 Spring Boot Application</a:t>
             </a:r>
             <a:endParaRPr lang="zh-TW" altLang="en-US" b="1" dirty="0">
               <a:solidFill>
@@ -9078,23 +8842,7 @@
                   <a:srgbClr val="FFFF00"/>
                 </a:solidFill>
               </a:rPr>
-              <a:t>9</a:t>
-            </a:r>
-            <a:r>
-              <a:rPr lang="en-US" altLang="zh-TW" b="1" dirty="0" smtClean="0">
-                <a:solidFill>
-                  <a:srgbClr val="FFFF00"/>
-                </a:solidFill>
-              </a:rPr>
-              <a:t> </a:t>
-            </a:r>
-            <a:r>
-              <a:rPr lang="en-US" altLang="zh-TW" b="1" dirty="0" smtClean="0">
-                <a:solidFill>
-                  <a:srgbClr val="FFFF00"/>
-                </a:solidFill>
-              </a:rPr>
-              <a:t>Spring Boot Application</a:t>
+              <a:t>9 Spring Boot Application</a:t>
             </a:r>
             <a:endParaRPr lang="zh-TW" altLang="en-US" b="1" dirty="0">
               <a:solidFill>
